--- a/sd/qa/unit/data/pptx/tdf116350-texteffects.pptx
+++ b/sd/qa/unit/data/pptx/tdf116350-texteffects.pptx
@@ -259,7 +259,7 @@
           <a:p>
             <a:fld id="{032C10C7-D4A2-4193-B2D8-0669A6677999}" type="datetimeFigureOut">
               <a:rPr lang="pl-PL" smtClean="0"/>
-              <a:t>31.07.2018</a:t>
+              <a:t>06.06.2019</a:t>
             </a:fld>
             <a:endParaRPr lang="pl-PL"/>
           </a:p>
@@ -457,7 +457,7 @@
           <a:p>
             <a:fld id="{032C10C7-D4A2-4193-B2D8-0669A6677999}" type="datetimeFigureOut">
               <a:rPr lang="pl-PL" smtClean="0"/>
-              <a:t>31.07.2018</a:t>
+              <a:t>06.06.2019</a:t>
             </a:fld>
             <a:endParaRPr lang="pl-PL"/>
           </a:p>
@@ -665,7 +665,7 @@
           <a:p>
             <a:fld id="{032C10C7-D4A2-4193-B2D8-0669A6677999}" type="datetimeFigureOut">
               <a:rPr lang="pl-PL" smtClean="0"/>
-              <a:t>31.07.2018</a:t>
+              <a:t>06.06.2019</a:t>
             </a:fld>
             <a:endParaRPr lang="pl-PL"/>
           </a:p>
@@ -863,7 +863,7 @@
           <a:p>
             <a:fld id="{032C10C7-D4A2-4193-B2D8-0669A6677999}" type="datetimeFigureOut">
               <a:rPr lang="pl-PL" smtClean="0"/>
-              <a:t>31.07.2018</a:t>
+              <a:t>06.06.2019</a:t>
             </a:fld>
             <a:endParaRPr lang="pl-PL"/>
           </a:p>
@@ -1138,7 +1138,7 @@
           <a:p>
             <a:fld id="{032C10C7-D4A2-4193-B2D8-0669A6677999}" type="datetimeFigureOut">
               <a:rPr lang="pl-PL" smtClean="0"/>
-              <a:t>31.07.2018</a:t>
+              <a:t>06.06.2019</a:t>
             </a:fld>
             <a:endParaRPr lang="pl-PL"/>
           </a:p>
@@ -1403,7 +1403,7 @@
           <a:p>
             <a:fld id="{032C10C7-D4A2-4193-B2D8-0669A6677999}" type="datetimeFigureOut">
               <a:rPr lang="pl-PL" smtClean="0"/>
-              <a:t>31.07.2018</a:t>
+              <a:t>06.06.2019</a:t>
             </a:fld>
             <a:endParaRPr lang="pl-PL"/>
           </a:p>
@@ -1815,7 +1815,7 @@
           <a:p>
             <a:fld id="{032C10C7-D4A2-4193-B2D8-0669A6677999}" type="datetimeFigureOut">
               <a:rPr lang="pl-PL" smtClean="0"/>
-              <a:t>31.07.2018</a:t>
+              <a:t>06.06.2019</a:t>
             </a:fld>
             <a:endParaRPr lang="pl-PL"/>
           </a:p>
@@ -1956,7 +1956,7 @@
           <a:p>
             <a:fld id="{032C10C7-D4A2-4193-B2D8-0669A6677999}" type="datetimeFigureOut">
               <a:rPr lang="pl-PL" smtClean="0"/>
-              <a:t>31.07.2018</a:t>
+              <a:t>06.06.2019</a:t>
             </a:fld>
             <a:endParaRPr lang="pl-PL"/>
           </a:p>
@@ -2069,7 +2069,7 @@
           <a:p>
             <a:fld id="{032C10C7-D4A2-4193-B2D8-0669A6677999}" type="datetimeFigureOut">
               <a:rPr lang="pl-PL" smtClean="0"/>
-              <a:t>31.07.2018</a:t>
+              <a:t>06.06.2019</a:t>
             </a:fld>
             <a:endParaRPr lang="pl-PL"/>
           </a:p>
@@ -2380,7 +2380,7 @@
           <a:p>
             <a:fld id="{032C10C7-D4A2-4193-B2D8-0669A6677999}" type="datetimeFigureOut">
               <a:rPr lang="pl-PL" smtClean="0"/>
-              <a:t>31.07.2018</a:t>
+              <a:t>06.06.2019</a:t>
             </a:fld>
             <a:endParaRPr lang="pl-PL"/>
           </a:p>
@@ -2668,7 +2668,7 @@
           <a:p>
             <a:fld id="{032C10C7-D4A2-4193-B2D8-0669A6677999}" type="datetimeFigureOut">
               <a:rPr lang="pl-PL" smtClean="0"/>
-              <a:t>31.07.2018</a:t>
+              <a:t>06.06.2019</a:t>
             </a:fld>
             <a:endParaRPr lang="pl-PL"/>
           </a:p>
@@ -2909,7 +2909,7 @@
           <a:p>
             <a:fld id="{032C10C7-D4A2-4193-B2D8-0669A6677999}" type="datetimeFigureOut">
               <a:rPr lang="pl-PL" smtClean="0"/>
-              <a:t>31.07.2018</a:t>
+              <a:t>06.06.2019</a:t>
             </a:fld>
             <a:endParaRPr lang="pl-PL"/>
           </a:p>
@@ -3391,7 +3391,7 @@
           <a:bodyPr wrap="square" rtlCol="0">
             <a:prstTxWarp prst="textArchUp">
               <a:avLst>
-                <a:gd name="adj" fmla="val 12795363"/>
+                <a:gd name="adj" fmla="val 12795000"/>
               </a:avLst>
             </a:prstTxWarp>
             <a:spAutoFit/>
